--- a/template/default.pptx
+++ b/template/default.pptx
@@ -101,6 +101,11 @@
       </a:defRPr>
     </a:lvl9pPr>
   </p:defaultTextStyle>
+  <p:extLst>
+    <p:ext uri="{EFAFB233-063F-42B5-8137-9DF3F51BA10A}">
+      <p15:sldGuideLst xmlns:p15="http://schemas.microsoft.com/office/powerpoint/2012/main"/>
+    </p:ext>
+  </p:extLst>
 </p:presentation>
 </file>
 
@@ -253,7 +258,7 @@
           <a:p>
             <a:fld id="{F5208315-6CCB-4D11-9B56-274516733FAA}" type="datetimeFigureOut">
               <a:rPr lang="ru-RU" smtClean="0"/>
-              <a:t>10.02.2023</a:t>
+              <a:t>28.10.2023</a:t>
             </a:fld>
             <a:endParaRPr lang="ru-RU"/>
           </a:p>
@@ -453,7 +458,7 @@
           <a:p>
             <a:fld id="{F5208315-6CCB-4D11-9B56-274516733FAA}" type="datetimeFigureOut">
               <a:rPr lang="ru-RU" smtClean="0"/>
-              <a:t>10.02.2023</a:t>
+              <a:t>28.10.2023</a:t>
             </a:fld>
             <a:endParaRPr lang="ru-RU"/>
           </a:p>
@@ -663,7 +668,7 @@
           <a:p>
             <a:fld id="{F5208315-6CCB-4D11-9B56-274516733FAA}" type="datetimeFigureOut">
               <a:rPr lang="ru-RU" smtClean="0"/>
-              <a:t>10.02.2023</a:t>
+              <a:t>28.10.2023</a:t>
             </a:fld>
             <a:endParaRPr lang="ru-RU"/>
           </a:p>
@@ -863,7 +868,7 @@
           <a:p>
             <a:fld id="{F5208315-6CCB-4D11-9B56-274516733FAA}" type="datetimeFigureOut">
               <a:rPr lang="ru-RU" smtClean="0"/>
-              <a:t>10.02.2023</a:t>
+              <a:t>28.10.2023</a:t>
             </a:fld>
             <a:endParaRPr lang="ru-RU"/>
           </a:p>
@@ -1139,7 +1144,7 @@
           <a:p>
             <a:fld id="{F5208315-6CCB-4D11-9B56-274516733FAA}" type="datetimeFigureOut">
               <a:rPr lang="ru-RU" smtClean="0"/>
-              <a:t>10.02.2023</a:t>
+              <a:t>28.10.2023</a:t>
             </a:fld>
             <a:endParaRPr lang="ru-RU"/>
           </a:p>
@@ -1407,7 +1412,7 @@
           <a:p>
             <a:fld id="{F5208315-6CCB-4D11-9B56-274516733FAA}" type="datetimeFigureOut">
               <a:rPr lang="ru-RU" smtClean="0"/>
-              <a:t>10.02.2023</a:t>
+              <a:t>28.10.2023</a:t>
             </a:fld>
             <a:endParaRPr lang="ru-RU"/>
           </a:p>
@@ -1822,7 +1827,7 @@
           <a:p>
             <a:fld id="{F5208315-6CCB-4D11-9B56-274516733FAA}" type="datetimeFigureOut">
               <a:rPr lang="ru-RU" smtClean="0"/>
-              <a:t>10.02.2023</a:t>
+              <a:t>28.10.2023</a:t>
             </a:fld>
             <a:endParaRPr lang="ru-RU"/>
           </a:p>
@@ -1964,7 +1969,7 @@
           <a:p>
             <a:fld id="{F5208315-6CCB-4D11-9B56-274516733FAA}" type="datetimeFigureOut">
               <a:rPr lang="ru-RU" smtClean="0"/>
-              <a:t>10.02.2023</a:t>
+              <a:t>28.10.2023</a:t>
             </a:fld>
             <a:endParaRPr lang="ru-RU"/>
           </a:p>
@@ -2077,7 +2082,7 @@
           <a:p>
             <a:fld id="{F5208315-6CCB-4D11-9B56-274516733FAA}" type="datetimeFigureOut">
               <a:rPr lang="ru-RU" smtClean="0"/>
-              <a:t>10.02.2023</a:t>
+              <a:t>28.10.2023</a:t>
             </a:fld>
             <a:endParaRPr lang="ru-RU"/>
           </a:p>
@@ -2390,7 +2395,7 @@
           <a:p>
             <a:fld id="{F5208315-6CCB-4D11-9B56-274516733FAA}" type="datetimeFigureOut">
               <a:rPr lang="ru-RU" smtClean="0"/>
-              <a:t>10.02.2023</a:t>
+              <a:t>28.10.2023</a:t>
             </a:fld>
             <a:endParaRPr lang="ru-RU"/>
           </a:p>
@@ -2679,7 +2684,7 @@
           <a:p>
             <a:fld id="{F5208315-6CCB-4D11-9B56-274516733FAA}" type="datetimeFigureOut">
               <a:rPr lang="ru-RU" smtClean="0"/>
-              <a:t>10.02.2023</a:t>
+              <a:t>28.10.2023</a:t>
             </a:fld>
             <a:endParaRPr lang="ru-RU"/>
           </a:p>
@@ -2922,7 +2927,7 @@
           <a:p>
             <a:fld id="{F5208315-6CCB-4D11-9B56-274516733FAA}" type="datetimeFigureOut">
               <a:rPr lang="ru-RU" smtClean="0"/>
-              <a:t>10.02.2023</a:t>
+              <a:t>28.10.2023</a:t>
             </a:fld>
             <a:endParaRPr lang="ru-RU"/>
           </a:p>
